--- a/Lectures2020/DNAInformationHousuugaku2020Nov.pptx
+++ b/Lectures2020/DNAInformationHousuugaku2020Nov.pptx
@@ -314,7 +314,7 @@
           <a:p>
             <a:fld id="{A76FC8E9-2F08-46C7-BB3F-9A178E3C7902}" type="datetimeFigureOut">
               <a:rPr kumimoji="1" lang="ja-JP" altLang="en-US" smtClean="0"/>
-              <a:t>2020/10/15</a:t>
+              <a:t>2020/10/29</a:t>
             </a:fld>
             <a:endParaRPr kumimoji="1" lang="ja-JP" altLang="en-US"/>
           </a:p>
@@ -516,7 +516,7 @@
           <a:p>
             <a:fld id="{A76FC8E9-2F08-46C7-BB3F-9A178E3C7902}" type="datetimeFigureOut">
               <a:rPr kumimoji="1" lang="ja-JP" altLang="en-US" smtClean="0"/>
-              <a:t>2020/10/15</a:t>
+              <a:t>2020/10/29</a:t>
             </a:fld>
             <a:endParaRPr kumimoji="1" lang="ja-JP" altLang="en-US"/>
           </a:p>
@@ -728,7 +728,7 @@
           <a:p>
             <a:fld id="{A76FC8E9-2F08-46C7-BB3F-9A178E3C7902}" type="datetimeFigureOut">
               <a:rPr kumimoji="1" lang="ja-JP" altLang="en-US" smtClean="0"/>
-              <a:t>2020/10/15</a:t>
+              <a:t>2020/10/29</a:t>
             </a:fld>
             <a:endParaRPr kumimoji="1" lang="ja-JP" altLang="en-US"/>
           </a:p>
@@ -930,7 +930,7 @@
           <a:p>
             <a:fld id="{A76FC8E9-2F08-46C7-BB3F-9A178E3C7902}" type="datetimeFigureOut">
               <a:rPr kumimoji="1" lang="ja-JP" altLang="en-US" smtClean="0"/>
-              <a:t>2020/10/15</a:t>
+              <a:t>2020/10/29</a:t>
             </a:fld>
             <a:endParaRPr kumimoji="1" lang="ja-JP" altLang="en-US"/>
           </a:p>
@@ -1176,7 +1176,7 @@
           <a:p>
             <a:fld id="{A76FC8E9-2F08-46C7-BB3F-9A178E3C7902}" type="datetimeFigureOut">
               <a:rPr kumimoji="1" lang="ja-JP" altLang="en-US" smtClean="0"/>
-              <a:t>2020/10/15</a:t>
+              <a:t>2020/10/29</a:t>
             </a:fld>
             <a:endParaRPr kumimoji="1" lang="ja-JP" altLang="en-US"/>
           </a:p>
@@ -1472,7 +1472,7 @@
           <a:p>
             <a:fld id="{A76FC8E9-2F08-46C7-BB3F-9A178E3C7902}" type="datetimeFigureOut">
               <a:rPr kumimoji="1" lang="ja-JP" altLang="en-US" smtClean="0"/>
-              <a:t>2020/10/15</a:t>
+              <a:t>2020/10/29</a:t>
             </a:fld>
             <a:endParaRPr kumimoji="1" lang="ja-JP" altLang="en-US"/>
           </a:p>
@@ -1903,7 +1903,7 @@
           <a:p>
             <a:fld id="{A76FC8E9-2F08-46C7-BB3F-9A178E3C7902}" type="datetimeFigureOut">
               <a:rPr kumimoji="1" lang="ja-JP" altLang="en-US" smtClean="0"/>
-              <a:t>2020/10/15</a:t>
+              <a:t>2020/10/29</a:t>
             </a:fld>
             <a:endParaRPr kumimoji="1" lang="ja-JP" altLang="en-US"/>
           </a:p>
@@ -2021,7 +2021,7 @@
           <a:p>
             <a:fld id="{A76FC8E9-2F08-46C7-BB3F-9A178E3C7902}" type="datetimeFigureOut">
               <a:rPr kumimoji="1" lang="ja-JP" altLang="en-US" smtClean="0"/>
-              <a:t>2020/10/15</a:t>
+              <a:t>2020/10/29</a:t>
             </a:fld>
             <a:endParaRPr kumimoji="1" lang="ja-JP" altLang="en-US"/>
           </a:p>
@@ -2116,7 +2116,7 @@
           <a:p>
             <a:fld id="{A76FC8E9-2F08-46C7-BB3F-9A178E3C7902}" type="datetimeFigureOut">
               <a:rPr kumimoji="1" lang="ja-JP" altLang="en-US" smtClean="0"/>
-              <a:t>2020/10/15</a:t>
+              <a:t>2020/10/29</a:t>
             </a:fld>
             <a:endParaRPr kumimoji="1" lang="ja-JP" altLang="en-US"/>
           </a:p>
@@ -2425,7 +2425,7 @@
           <a:p>
             <a:fld id="{A76FC8E9-2F08-46C7-BB3F-9A178E3C7902}" type="datetimeFigureOut">
               <a:rPr kumimoji="1" lang="ja-JP" altLang="en-US" smtClean="0"/>
-              <a:t>2020/10/15</a:t>
+              <a:t>2020/10/29</a:t>
             </a:fld>
             <a:endParaRPr kumimoji="1" lang="ja-JP" altLang="en-US"/>
           </a:p>
@@ -2678,7 +2678,7 @@
           <a:p>
             <a:fld id="{A76FC8E9-2F08-46C7-BB3F-9A178E3C7902}" type="datetimeFigureOut">
               <a:rPr kumimoji="1" lang="ja-JP" altLang="en-US" smtClean="0"/>
-              <a:t>2020/10/15</a:t>
+              <a:t>2020/10/29</a:t>
             </a:fld>
             <a:endParaRPr kumimoji="1" lang="ja-JP" altLang="en-US"/>
           </a:p>
@@ -2923,7 +2923,7 @@
           <a:p>
             <a:fld id="{A76FC8E9-2F08-46C7-BB3F-9A178E3C7902}" type="datetimeFigureOut">
               <a:rPr kumimoji="1" lang="ja-JP" altLang="en-US" smtClean="0"/>
-              <a:t>2020/10/15</a:t>
+              <a:t>2020/10/29</a:t>
             </a:fld>
             <a:endParaRPr kumimoji="1" lang="ja-JP" altLang="en-US"/>
           </a:p>
@@ -3338,42 +3338,21 @@
             <p:ph type="ctrTitle"/>
           </p:nvPr>
         </p:nvSpPr>
-        <p:spPr/>
+        <p:spPr>
+          <a:xfrm>
+            <a:off x="1001486" y="1122363"/>
+            <a:ext cx="10287000" cy="2387600"/>
+          </a:xfrm>
+        </p:spPr>
         <p:txBody>
           <a:bodyPr>
-            <a:normAutofit fontScale="90000"/>
+            <a:normAutofit/>
           </a:bodyPr>
           <a:lstStyle/>
           <a:p>
             <a:r>
-              <a:rPr kumimoji="1" lang="en-US" altLang="ja-JP" dirty="0" smtClean="0"/>
-              <a:t>DNA</a:t>
-            </a:r>
-            <a:r>
-              <a:rPr kumimoji="1" lang="ja-JP" altLang="en-US" dirty="0" smtClean="0"/>
-              <a:t>情報管理</a:t>
-            </a:r>
-            <a:r>
-              <a:rPr kumimoji="1" lang="en-US" altLang="ja-JP" dirty="0" smtClean="0"/>
-              <a:t/>
-            </a:r>
-            <a:br>
-              <a:rPr kumimoji="1" lang="en-US" altLang="ja-JP" dirty="0" smtClean="0"/>
-            </a:br>
-            <a:r>
-              <a:rPr lang="ja-JP" altLang="en-US" dirty="0" smtClean="0"/>
-              <a:t>と</a:t>
-            </a:r>
-            <a:r>
-              <a:rPr lang="en-US" altLang="ja-JP" dirty="0" smtClean="0"/>
-              <a:t/>
-            </a:r>
-            <a:br>
-              <a:rPr lang="en-US" altLang="ja-JP" dirty="0" smtClean="0"/>
-            </a:br>
-            <a:r>
-              <a:rPr lang="en-US" altLang="ja-JP" dirty="0" smtClean="0"/>
-              <a:t>Digital Forensic</a:t>
+              <a:rPr lang="ja-JP" altLang="en-US" dirty="0"/>
+              <a:t>デジタル法科学捜査における数学の役割</a:t>
             </a:r>
             <a:endParaRPr kumimoji="1" lang="ja-JP" altLang="en-US" dirty="0"/>
           </a:p>
@@ -9520,11 +9499,7 @@
           <a:p>
             <a:r>
               <a:rPr kumimoji="1" lang="ja-JP" altLang="en-US" dirty="0" smtClean="0"/>
-              <a:t>暗号化したまま</a:t>
-            </a:r>
-            <a:r>
-              <a:rPr kumimoji="1" lang="ja-JP" altLang="en-US" dirty="0" smtClean="0"/>
-              <a:t>データ計算して</a:t>
+              <a:t>暗号化したままデータ計算して</a:t>
             </a:r>
             <a:r>
               <a:rPr kumimoji="1" lang="en-US" altLang="ja-JP" dirty="0" smtClean="0"/>
